--- a/example tutorial/Tutorial Images.pptx
+++ b/example tutorial/Tutorial Images.pptx
@@ -7,6 +7,8 @@
   <p:sldIdLst>
     <p:sldId id="256" r:id="rId2"/>
     <p:sldId id="257" r:id="rId3"/>
+    <p:sldId id="259" r:id="rId4"/>
+    <p:sldId id="261" r:id="rId5"/>
   </p:sldIdLst>
   <p:sldSz cx="12192000" cy="6858000"/>
   <p:notesSz cx="6858000" cy="9144000"/>
@@ -3405,51 +3407,168 @@
           <a:chExt cx="0" cy="0"/>
         </a:xfrm>
       </p:grpSpPr>
-      <p:pic>
-        <p:nvPicPr>
-          <p:cNvPr id="4" name="Picture 3" descr="A close up of a map&#10;&#10;Description automatically generated">
-            <a:extLst>
-              <a:ext uri="{FF2B5EF4-FFF2-40B4-BE49-F238E27FC236}">
-                <a16:creationId xmlns:a16="http://schemas.microsoft.com/office/drawing/2014/main" id="{47EB5F07-F278-344E-A4DB-57C8FC7C3B08}"/>
-              </a:ext>
-            </a:extLst>
-          </p:cNvPr>
-          <p:cNvPicPr>
-            <a:picLocks noChangeAspect="1"/>
-          </p:cNvPicPr>
+      <p:grpSp>
+        <p:nvGrpSpPr>
+          <p:cNvPr id="11" name="Group 10">
+            <a:extLst>
+              <a:ext uri="{FF2B5EF4-FFF2-40B4-BE49-F238E27FC236}">
+                <a16:creationId xmlns:a16="http://schemas.microsoft.com/office/drawing/2014/main" id="{F8E50BC0-4C4E-3F4B-8A73-0C3222A40E05}"/>
+              </a:ext>
+            </a:extLst>
+          </p:cNvPr>
+          <p:cNvGrpSpPr/>
           <p:nvPr/>
-        </p:nvPicPr>
-        <p:blipFill rotWithShape="1">
-          <a:blip r:embed="rId2"/>
-          <a:srcRect b="6982"/>
-          <a:stretch/>
-        </p:blipFill>
+        </p:nvGrpSpPr>
+        <p:grpSpPr>
+          <a:xfrm>
+            <a:off x="2486888" y="402836"/>
+            <a:ext cx="6939737" cy="6455164"/>
+            <a:chOff x="2411641" y="280931"/>
+            <a:chExt cx="6939737" cy="6455164"/>
+          </a:xfrm>
+        </p:grpSpPr>
+        <p:pic>
+          <p:nvPicPr>
+            <p:cNvPr id="4" name="Picture 3" descr="A close up of a map&#10;&#10;Description automatically generated">
+              <a:extLst>
+                <a:ext uri="{FF2B5EF4-FFF2-40B4-BE49-F238E27FC236}">
+                  <a16:creationId xmlns:a16="http://schemas.microsoft.com/office/drawing/2014/main" id="{47EB5F07-F278-344E-A4DB-57C8FC7C3B08}"/>
+                </a:ext>
+              </a:extLst>
+            </p:cNvPr>
+            <p:cNvPicPr>
+              <a:picLocks noChangeAspect="1"/>
+            </p:cNvPicPr>
+            <p:nvPr/>
+          </p:nvPicPr>
+          <p:blipFill rotWithShape="1">
+            <a:blip r:embed="rId2"/>
+            <a:srcRect b="6982"/>
+            <a:stretch/>
+          </p:blipFill>
+          <p:spPr>
+            <a:xfrm>
+              <a:off x="2411641" y="280931"/>
+              <a:ext cx="6939737" cy="6455164"/>
+            </a:xfrm>
+            <a:prstGeom prst="rect">
+              <a:avLst/>
+            </a:prstGeom>
+          </p:spPr>
+        </p:pic>
+        <p:sp>
+          <p:nvSpPr>
+            <p:cNvPr id="5" name="TextBox 4">
+              <a:extLst>
+                <a:ext uri="{FF2B5EF4-FFF2-40B4-BE49-F238E27FC236}">
+                  <a16:creationId xmlns:a16="http://schemas.microsoft.com/office/drawing/2014/main" id="{012F9F59-83D1-7148-AA12-426B92995F01}"/>
+                </a:ext>
+              </a:extLst>
+            </p:cNvPr>
+            <p:cNvSpPr txBox="1"/>
+            <p:nvPr/>
+          </p:nvSpPr>
+          <p:spPr>
+            <a:xfrm>
+              <a:off x="7264090" y="2431704"/>
+              <a:ext cx="1560042" cy="400110"/>
+            </a:xfrm>
+            <a:prstGeom prst="rect">
+              <a:avLst/>
+            </a:prstGeom>
+            <a:noFill/>
+          </p:spPr>
+          <p:txBody>
+            <a:bodyPr wrap="none" rtlCol="0">
+              <a:spAutoFit/>
+            </a:bodyPr>
+            <a:lstStyle/>
+            <a:p>
+              <a:r>
+                <a:rPr lang="en-US" sz="2000" b="1" dirty="0">
+                  <a:solidFill>
+                    <a:srgbClr val="135629"/>
+                  </a:solidFill>
+                  <a:latin typeface="Garamond" panose="02020404030301010803" pitchFamily="18" charset="0"/>
+                </a:rPr>
+                <a:t>Unobserved </a:t>
+              </a:r>
+            </a:p>
+          </p:txBody>
+        </p:sp>
+      </p:grpSp>
+      <p:sp>
+        <p:nvSpPr>
+          <p:cNvPr id="12" name="Rectangular Callout 11">
+            <a:extLst>
+              <a:ext uri="{FF2B5EF4-FFF2-40B4-BE49-F238E27FC236}">
+                <a16:creationId xmlns:a16="http://schemas.microsoft.com/office/drawing/2014/main" id="{2358F363-0B20-C647-9BAD-87B366628702}"/>
+              </a:ext>
+            </a:extLst>
+          </p:cNvPr>
+          <p:cNvSpPr/>
+          <p:nvPr/>
+        </p:nvSpPr>
+        <p:spPr>
+          <a:xfrm rot="16200000">
+            <a:off x="2517846" y="539817"/>
+            <a:ext cx="1530628" cy="2563418"/>
+          </a:xfrm>
+          <a:prstGeom prst="wedgeRectCallout">
+            <a:avLst>
+              <a:gd name="adj1" fmla="val -38663"/>
+              <a:gd name="adj2" fmla="val 79715"/>
+            </a:avLst>
+          </a:prstGeom>
+          <a:ln w="66675">
+            <a:solidFill>
+              <a:schemeClr val="tx1"/>
+            </a:solidFill>
+          </a:ln>
+        </p:spPr>
+        <p:style>
+          <a:lnRef idx="2">
+            <a:schemeClr val="accent6"/>
+          </a:lnRef>
+          <a:fillRef idx="1">
+            <a:schemeClr val="lt1"/>
+          </a:fillRef>
+          <a:effectRef idx="0">
+            <a:schemeClr val="accent6"/>
+          </a:effectRef>
+          <a:fontRef idx="minor">
+            <a:schemeClr val="dk1"/>
+          </a:fontRef>
+        </p:style>
+        <p:txBody>
+          <a:bodyPr rtlCol="0" anchor="ctr"/>
+          <a:lstStyle/>
+          <a:p>
+            <a:pPr algn="ctr"/>
+            <a:endParaRPr lang="en-US" dirty="0">
+              <a:solidFill>
+                <a:schemeClr val="tx1"/>
+              </a:solidFill>
+            </a:endParaRPr>
+          </a:p>
+        </p:txBody>
+      </p:sp>
+      <p:sp>
+        <p:nvSpPr>
+          <p:cNvPr id="13" name="TextBox 12">
+            <a:extLst>
+              <a:ext uri="{FF2B5EF4-FFF2-40B4-BE49-F238E27FC236}">
+                <a16:creationId xmlns:a16="http://schemas.microsoft.com/office/drawing/2014/main" id="{36F4BC06-451B-DF4F-BE39-A2DA390C144B}"/>
+              </a:ext>
+            </a:extLst>
+          </p:cNvPr>
+          <p:cNvSpPr txBox="1"/>
+          <p:nvPr/>
+        </p:nvSpPr>
         <p:spPr>
           <a:xfrm>
-            <a:off x="2381823" y="107571"/>
-            <a:ext cx="6939737" cy="6455164"/>
-          </a:xfrm>
-          <a:prstGeom prst="rect">
-            <a:avLst/>
-          </a:prstGeom>
-        </p:spPr>
-      </p:pic>
-      <p:sp>
-        <p:nvSpPr>
-          <p:cNvPr id="5" name="TextBox 4">
-            <a:extLst>
-              <a:ext uri="{FF2B5EF4-FFF2-40B4-BE49-F238E27FC236}">
-                <a16:creationId xmlns:a16="http://schemas.microsoft.com/office/drawing/2014/main" id="{012F9F59-83D1-7148-AA12-426B92995F01}"/>
-              </a:ext>
-            </a:extLst>
-          </p:cNvPr>
-          <p:cNvSpPr txBox="1"/>
-          <p:nvPr/>
-        </p:nvSpPr>
-        <p:spPr>
-          <a:xfrm>
-            <a:off x="7376984" y="420129"/>
-            <a:ext cx="1427891" cy="369332"/>
+            <a:off x="2765375" y="2586841"/>
+            <a:ext cx="1293944" cy="400110"/>
           </a:xfrm>
           <a:prstGeom prst="rect">
             <a:avLst/>
@@ -3463,13 +3582,126 @@
           <a:lstStyle/>
           <a:p>
             <a:r>
-              <a:rPr lang="en-US" b="1" dirty="0">
+              <a:rPr lang="en-US" sz="2000" b="1" dirty="0">
+                <a:latin typeface="Garamond" panose="02020404030301010803" pitchFamily="18" charset="0"/>
+              </a:rPr>
+              <a:t>Observed </a:t>
+            </a:r>
+          </a:p>
+        </p:txBody>
+      </p:sp>
+      <p:sp>
+        <p:nvSpPr>
+          <p:cNvPr id="14" name="TextBox 13">
+            <a:extLst>
+              <a:ext uri="{FF2B5EF4-FFF2-40B4-BE49-F238E27FC236}">
+                <a16:creationId xmlns:a16="http://schemas.microsoft.com/office/drawing/2014/main" id="{9E0CDB85-DF84-9C4F-892F-0855E2D918D6}"/>
+              </a:ext>
+            </a:extLst>
+          </p:cNvPr>
+          <p:cNvSpPr txBox="1"/>
+          <p:nvPr/>
+        </p:nvSpPr>
+        <p:spPr>
+          <a:xfrm>
+            <a:off x="5001072" y="1947049"/>
+            <a:ext cx="537327" cy="861774"/>
+          </a:xfrm>
+          <a:prstGeom prst="rect">
+            <a:avLst/>
+          </a:prstGeom>
+          <a:noFill/>
+        </p:spPr>
+        <p:txBody>
+          <a:bodyPr wrap="none" rtlCol="0">
+            <a:spAutoFit/>
+          </a:bodyPr>
+          <a:lstStyle/>
+          <a:p>
+            <a:r>
+              <a:rPr lang="en-US" sz="5000" b="1" dirty="0">
                 <a:solidFill>
-                  <a:srgbClr val="135629"/>
+                  <a:srgbClr val="C00000"/>
+                </a:solidFill>
+              </a:rPr>
+              <a:t>X</a:t>
+            </a:r>
+          </a:p>
+        </p:txBody>
+      </p:sp>
+      <p:sp>
+        <p:nvSpPr>
+          <p:cNvPr id="15" name="TextBox 14">
+            <a:extLst>
+              <a:ext uri="{FF2B5EF4-FFF2-40B4-BE49-F238E27FC236}">
+                <a16:creationId xmlns:a16="http://schemas.microsoft.com/office/drawing/2014/main" id="{2A0174E0-C111-6A49-9B48-AB6907401893}"/>
+              </a:ext>
+            </a:extLst>
+          </p:cNvPr>
+          <p:cNvSpPr txBox="1"/>
+          <p:nvPr/>
+        </p:nvSpPr>
+        <p:spPr>
+          <a:xfrm>
+            <a:off x="1717331" y="343946"/>
+            <a:ext cx="4683975" cy="553998"/>
+          </a:xfrm>
+          <a:prstGeom prst="rect">
+            <a:avLst/>
+          </a:prstGeom>
+          <a:noFill/>
+        </p:spPr>
+        <p:txBody>
+          <a:bodyPr wrap="none" rtlCol="0">
+            <a:spAutoFit/>
+          </a:bodyPr>
+          <a:lstStyle/>
+          <a:p>
+            <a:r>
+              <a:rPr lang="en-US" sz="3000" dirty="0">
+                <a:solidFill>
+                  <a:srgbClr val="C00000"/>
                 </a:solidFill>
                 <a:latin typeface="Garamond" panose="02020404030301010803" pitchFamily="18" charset="0"/>
               </a:rPr>
-              <a:t>Unobserved </a:t>
+              <a:t>Conditioning on Observables </a:t>
+            </a:r>
+          </a:p>
+        </p:txBody>
+      </p:sp>
+      <p:sp>
+        <p:nvSpPr>
+          <p:cNvPr id="16" name="TextBox 15">
+            <a:extLst>
+              <a:ext uri="{FF2B5EF4-FFF2-40B4-BE49-F238E27FC236}">
+                <a16:creationId xmlns:a16="http://schemas.microsoft.com/office/drawing/2014/main" id="{A570ABDC-B3CB-8941-9086-770328CCC81F}"/>
+              </a:ext>
+            </a:extLst>
+          </p:cNvPr>
+          <p:cNvSpPr txBox="1"/>
+          <p:nvPr/>
+        </p:nvSpPr>
+        <p:spPr>
+          <a:xfrm>
+            <a:off x="2052876" y="1359860"/>
+            <a:ext cx="2563418" cy="923330"/>
+          </a:xfrm>
+          <a:prstGeom prst="rect">
+            <a:avLst/>
+          </a:prstGeom>
+          <a:noFill/>
+        </p:spPr>
+        <p:txBody>
+          <a:bodyPr wrap="square" rtlCol="0">
+            <a:spAutoFit/>
+          </a:bodyPr>
+          <a:lstStyle/>
+          <a:p>
+            <a:r>
+              <a:rPr lang="en-US" dirty="0">
+                <a:latin typeface="Garamond" panose="02020404030301010803" pitchFamily="18" charset="0"/>
+              </a:rPr>
+              <a:t>The other covariates (plot and site attributes) in a multivariate model. </a:t>
             </a:r>
           </a:p>
         </p:txBody>
@@ -3478,6 +3710,502 @@
     <p:extLst>
       <p:ext uri="{BB962C8B-B14F-4D97-AF65-F5344CB8AC3E}">
         <p14:creationId xmlns:p14="http://schemas.microsoft.com/office/powerpoint/2010/main" val="198381116"/>
+      </p:ext>
+    </p:extLst>
+  </p:cSld>
+  <p:clrMapOvr>
+    <a:masterClrMapping/>
+  </p:clrMapOvr>
+</p:sld>
+</file>
+
+<file path=ppt/slides/slide3.xml><?xml version="1.0" encoding="utf-8"?>
+<p:sld xmlns:a="http://schemas.openxmlformats.org/drawingml/2006/main" xmlns:r="http://schemas.openxmlformats.org/officeDocument/2006/relationships" xmlns:p="http://schemas.openxmlformats.org/presentationml/2006/main">
+  <p:cSld>
+    <p:spTree>
+      <p:nvGrpSpPr>
+        <p:cNvPr id="1" name=""/>
+        <p:cNvGrpSpPr/>
+        <p:nvPr/>
+      </p:nvGrpSpPr>
+      <p:grpSpPr>
+        <a:xfrm>
+          <a:off x="0" y="0"/>
+          <a:ext cx="0" cy="0"/>
+          <a:chOff x="0" y="0"/>
+          <a:chExt cx="0" cy="0"/>
+        </a:xfrm>
+      </p:grpSpPr>
+      <p:grpSp>
+        <p:nvGrpSpPr>
+          <p:cNvPr id="11" name="Group 10">
+            <a:extLst>
+              <a:ext uri="{FF2B5EF4-FFF2-40B4-BE49-F238E27FC236}">
+                <a16:creationId xmlns:a16="http://schemas.microsoft.com/office/drawing/2014/main" id="{F8E50BC0-4C4E-3F4B-8A73-0C3222A40E05}"/>
+              </a:ext>
+            </a:extLst>
+          </p:cNvPr>
+          <p:cNvGrpSpPr/>
+          <p:nvPr/>
+        </p:nvGrpSpPr>
+        <p:grpSpPr>
+          <a:xfrm>
+            <a:off x="2486888" y="402836"/>
+            <a:ext cx="6939737" cy="6455164"/>
+            <a:chOff x="2411641" y="280931"/>
+            <a:chExt cx="6939737" cy="6455164"/>
+          </a:xfrm>
+        </p:grpSpPr>
+        <p:pic>
+          <p:nvPicPr>
+            <p:cNvPr id="4" name="Picture 3" descr="A close up of a map&#10;&#10;Description automatically generated">
+              <a:extLst>
+                <a:ext uri="{FF2B5EF4-FFF2-40B4-BE49-F238E27FC236}">
+                  <a16:creationId xmlns:a16="http://schemas.microsoft.com/office/drawing/2014/main" id="{47EB5F07-F278-344E-A4DB-57C8FC7C3B08}"/>
+                </a:ext>
+              </a:extLst>
+            </p:cNvPr>
+            <p:cNvPicPr>
+              <a:picLocks noChangeAspect="1"/>
+            </p:cNvPicPr>
+            <p:nvPr/>
+          </p:nvPicPr>
+          <p:blipFill rotWithShape="1">
+            <a:blip r:embed="rId2"/>
+            <a:srcRect b="6982"/>
+            <a:stretch/>
+          </p:blipFill>
+          <p:spPr>
+            <a:xfrm>
+              <a:off x="2411641" y="280931"/>
+              <a:ext cx="6939737" cy="6455164"/>
+            </a:xfrm>
+            <a:prstGeom prst="rect">
+              <a:avLst/>
+            </a:prstGeom>
+          </p:spPr>
+        </p:pic>
+        <p:sp>
+          <p:nvSpPr>
+            <p:cNvPr id="5" name="TextBox 4">
+              <a:extLst>
+                <a:ext uri="{FF2B5EF4-FFF2-40B4-BE49-F238E27FC236}">
+                  <a16:creationId xmlns:a16="http://schemas.microsoft.com/office/drawing/2014/main" id="{012F9F59-83D1-7148-AA12-426B92995F01}"/>
+                </a:ext>
+              </a:extLst>
+            </p:cNvPr>
+            <p:cNvSpPr txBox="1"/>
+            <p:nvPr/>
+          </p:nvSpPr>
+          <p:spPr>
+            <a:xfrm>
+              <a:off x="7217958" y="499642"/>
+              <a:ext cx="1560042" cy="400110"/>
+            </a:xfrm>
+            <a:prstGeom prst="rect">
+              <a:avLst/>
+            </a:prstGeom>
+            <a:noFill/>
+          </p:spPr>
+          <p:txBody>
+            <a:bodyPr wrap="none" rtlCol="0">
+              <a:spAutoFit/>
+            </a:bodyPr>
+            <a:lstStyle/>
+            <a:p>
+              <a:r>
+                <a:rPr lang="en-US" sz="2000" b="1" dirty="0">
+                  <a:solidFill>
+                    <a:srgbClr val="135629"/>
+                  </a:solidFill>
+                  <a:latin typeface="Garamond" panose="02020404030301010803" pitchFamily="18" charset="0"/>
+                </a:rPr>
+                <a:t>Unobserved </a:t>
+              </a:r>
+            </a:p>
+          </p:txBody>
+        </p:sp>
+      </p:grpSp>
+      <p:sp>
+        <p:nvSpPr>
+          <p:cNvPr id="3" name="TextBox 2">
+            <a:extLst>
+              <a:ext uri="{FF2B5EF4-FFF2-40B4-BE49-F238E27FC236}">
+                <a16:creationId xmlns:a16="http://schemas.microsoft.com/office/drawing/2014/main" id="{96DF60DA-E113-674C-841A-B61D6630AA4E}"/>
+              </a:ext>
+            </a:extLst>
+          </p:cNvPr>
+          <p:cNvSpPr txBox="1"/>
+          <p:nvPr/>
+        </p:nvSpPr>
+        <p:spPr>
+          <a:xfrm>
+            <a:off x="7606432" y="1021657"/>
+            <a:ext cx="466794" cy="707886"/>
+          </a:xfrm>
+          <a:prstGeom prst="rect">
+            <a:avLst/>
+          </a:prstGeom>
+          <a:noFill/>
+        </p:spPr>
+        <p:txBody>
+          <a:bodyPr wrap="none" rtlCol="0">
+            <a:spAutoFit/>
+          </a:bodyPr>
+          <a:lstStyle/>
+          <a:p>
+            <a:r>
+              <a:rPr lang="en-US" sz="4000" b="1" dirty="0">
+                <a:solidFill>
+                  <a:srgbClr val="C00000"/>
+                </a:solidFill>
+              </a:rPr>
+              <a:t>X</a:t>
+            </a:r>
+          </a:p>
+        </p:txBody>
+      </p:sp>
+      <p:sp>
+        <p:nvSpPr>
+          <p:cNvPr id="6" name="TextBox 5">
+            <a:extLst>
+              <a:ext uri="{FF2B5EF4-FFF2-40B4-BE49-F238E27FC236}">
+                <a16:creationId xmlns:a16="http://schemas.microsoft.com/office/drawing/2014/main" id="{A0A72CEC-578F-A84B-BD04-5E30719A71C5}"/>
+              </a:ext>
+            </a:extLst>
+          </p:cNvPr>
+          <p:cNvSpPr txBox="1"/>
+          <p:nvPr/>
+        </p:nvSpPr>
+        <p:spPr>
+          <a:xfrm>
+            <a:off x="2582562" y="1098601"/>
+            <a:ext cx="2889637" cy="553998"/>
+          </a:xfrm>
+          <a:prstGeom prst="rect">
+            <a:avLst/>
+          </a:prstGeom>
+          <a:noFill/>
+        </p:spPr>
+        <p:txBody>
+          <a:bodyPr wrap="none" rtlCol="0">
+            <a:spAutoFit/>
+          </a:bodyPr>
+          <a:lstStyle/>
+          <a:p>
+            <a:r>
+              <a:rPr lang="en-US" sz="3000" dirty="0">
+                <a:solidFill>
+                  <a:srgbClr val="C00000"/>
+                </a:solidFill>
+                <a:latin typeface="Garamond" panose="02020404030301010803" pitchFamily="18" charset="0"/>
+              </a:rPr>
+              <a:t>Plot Fixed Effects</a:t>
+            </a:r>
+          </a:p>
+        </p:txBody>
+      </p:sp>
+    </p:spTree>
+    <p:extLst>
+      <p:ext uri="{BB962C8B-B14F-4D97-AF65-F5344CB8AC3E}">
+        <p14:creationId xmlns:p14="http://schemas.microsoft.com/office/powerpoint/2010/main" val="3176748130"/>
+      </p:ext>
+    </p:extLst>
+  </p:cSld>
+  <p:clrMapOvr>
+    <a:masterClrMapping/>
+  </p:clrMapOvr>
+</p:sld>
+</file>
+
+<file path=ppt/slides/slide4.xml><?xml version="1.0" encoding="utf-8"?>
+<p:sld xmlns:a="http://schemas.openxmlformats.org/drawingml/2006/main" xmlns:r="http://schemas.openxmlformats.org/officeDocument/2006/relationships" xmlns:p="http://schemas.openxmlformats.org/presentationml/2006/main">
+  <p:cSld>
+    <p:spTree>
+      <p:nvGrpSpPr>
+        <p:cNvPr id="1" name=""/>
+        <p:cNvGrpSpPr/>
+        <p:nvPr/>
+      </p:nvGrpSpPr>
+      <p:grpSpPr>
+        <a:xfrm>
+          <a:off x="0" y="0"/>
+          <a:ext cx="0" cy="0"/>
+          <a:chOff x="0" y="0"/>
+          <a:chExt cx="0" cy="0"/>
+        </a:xfrm>
+      </p:grpSpPr>
+      <p:grpSp>
+        <p:nvGrpSpPr>
+          <p:cNvPr id="11" name="Group 10">
+            <a:extLst>
+              <a:ext uri="{FF2B5EF4-FFF2-40B4-BE49-F238E27FC236}">
+                <a16:creationId xmlns:a16="http://schemas.microsoft.com/office/drawing/2014/main" id="{F8E50BC0-4C4E-3F4B-8A73-0C3222A40E05}"/>
+              </a:ext>
+            </a:extLst>
+          </p:cNvPr>
+          <p:cNvGrpSpPr/>
+          <p:nvPr/>
+        </p:nvGrpSpPr>
+        <p:grpSpPr>
+          <a:xfrm>
+            <a:off x="2486888" y="402836"/>
+            <a:ext cx="6939737" cy="6455164"/>
+            <a:chOff x="2411641" y="280931"/>
+            <a:chExt cx="6939737" cy="6455164"/>
+          </a:xfrm>
+        </p:grpSpPr>
+        <p:pic>
+          <p:nvPicPr>
+            <p:cNvPr id="4" name="Picture 3" descr="A close up of a map&#10;&#10;Description automatically generated">
+              <a:extLst>
+                <a:ext uri="{FF2B5EF4-FFF2-40B4-BE49-F238E27FC236}">
+                  <a16:creationId xmlns:a16="http://schemas.microsoft.com/office/drawing/2014/main" id="{47EB5F07-F278-344E-A4DB-57C8FC7C3B08}"/>
+                </a:ext>
+              </a:extLst>
+            </p:cNvPr>
+            <p:cNvPicPr>
+              <a:picLocks noChangeAspect="1"/>
+            </p:cNvPicPr>
+            <p:nvPr/>
+          </p:nvPicPr>
+          <p:blipFill rotWithShape="1">
+            <a:blip r:embed="rId2"/>
+            <a:srcRect b="6982"/>
+            <a:stretch/>
+          </p:blipFill>
+          <p:spPr>
+            <a:xfrm>
+              <a:off x="2411641" y="280931"/>
+              <a:ext cx="6939737" cy="6455164"/>
+            </a:xfrm>
+            <a:prstGeom prst="rect">
+              <a:avLst/>
+            </a:prstGeom>
+          </p:spPr>
+        </p:pic>
+        <p:sp>
+          <p:nvSpPr>
+            <p:cNvPr id="5" name="TextBox 4">
+              <a:extLst>
+                <a:ext uri="{FF2B5EF4-FFF2-40B4-BE49-F238E27FC236}">
+                  <a16:creationId xmlns:a16="http://schemas.microsoft.com/office/drawing/2014/main" id="{012F9F59-83D1-7148-AA12-426B92995F01}"/>
+                </a:ext>
+              </a:extLst>
+            </p:cNvPr>
+            <p:cNvSpPr txBox="1"/>
+            <p:nvPr/>
+          </p:nvSpPr>
+          <p:spPr>
+            <a:xfrm>
+              <a:off x="7217958" y="499642"/>
+              <a:ext cx="1560042" cy="400110"/>
+            </a:xfrm>
+            <a:prstGeom prst="rect">
+              <a:avLst/>
+            </a:prstGeom>
+            <a:noFill/>
+          </p:spPr>
+          <p:txBody>
+            <a:bodyPr wrap="none" rtlCol="0">
+              <a:spAutoFit/>
+            </a:bodyPr>
+            <a:lstStyle/>
+            <a:p>
+              <a:r>
+                <a:rPr lang="en-US" sz="2000" b="1" dirty="0">
+                  <a:solidFill>
+                    <a:srgbClr val="135629"/>
+                  </a:solidFill>
+                  <a:latin typeface="Garamond" panose="02020404030301010803" pitchFamily="18" charset="0"/>
+                </a:rPr>
+                <a:t>Unobserved </a:t>
+              </a:r>
+            </a:p>
+          </p:txBody>
+        </p:sp>
+      </p:grpSp>
+      <p:sp>
+        <p:nvSpPr>
+          <p:cNvPr id="3" name="TextBox 2">
+            <a:extLst>
+              <a:ext uri="{FF2B5EF4-FFF2-40B4-BE49-F238E27FC236}">
+                <a16:creationId xmlns:a16="http://schemas.microsoft.com/office/drawing/2014/main" id="{96DF60DA-E113-674C-841A-B61D6630AA4E}"/>
+              </a:ext>
+            </a:extLst>
+          </p:cNvPr>
+          <p:cNvSpPr txBox="1"/>
+          <p:nvPr/>
+        </p:nvSpPr>
+        <p:spPr>
+          <a:xfrm>
+            <a:off x="7606432" y="1021657"/>
+            <a:ext cx="466794" cy="707886"/>
+          </a:xfrm>
+          <a:prstGeom prst="rect">
+            <a:avLst/>
+          </a:prstGeom>
+          <a:noFill/>
+        </p:spPr>
+        <p:txBody>
+          <a:bodyPr wrap="none" rtlCol="0">
+            <a:spAutoFit/>
+          </a:bodyPr>
+          <a:lstStyle/>
+          <a:p>
+            <a:r>
+              <a:rPr lang="en-US" sz="4000" b="1" dirty="0">
+                <a:solidFill>
+                  <a:srgbClr val="C00000"/>
+                </a:solidFill>
+              </a:rPr>
+              <a:t>X</a:t>
+            </a:r>
+          </a:p>
+        </p:txBody>
+      </p:sp>
+      <p:sp>
+        <p:nvSpPr>
+          <p:cNvPr id="6" name="TextBox 5">
+            <a:extLst>
+              <a:ext uri="{FF2B5EF4-FFF2-40B4-BE49-F238E27FC236}">
+                <a16:creationId xmlns:a16="http://schemas.microsoft.com/office/drawing/2014/main" id="{A0A72CEC-578F-A84B-BD04-5E30719A71C5}"/>
+              </a:ext>
+            </a:extLst>
+          </p:cNvPr>
+          <p:cNvSpPr txBox="1"/>
+          <p:nvPr/>
+        </p:nvSpPr>
+        <p:spPr>
+          <a:xfrm>
+            <a:off x="1804086" y="1221711"/>
+            <a:ext cx="3602012" cy="1015663"/>
+          </a:xfrm>
+          <a:prstGeom prst="rect">
+            <a:avLst/>
+          </a:prstGeom>
+          <a:noFill/>
+        </p:spPr>
+        <p:txBody>
+          <a:bodyPr wrap="none" rtlCol="0">
+            <a:spAutoFit/>
+          </a:bodyPr>
+          <a:lstStyle/>
+          <a:p>
+            <a:r>
+              <a:rPr lang="en-US" sz="3000" dirty="0">
+                <a:solidFill>
+                  <a:srgbClr val="C00000"/>
+                </a:solidFill>
+                <a:latin typeface="Garamond" panose="02020404030301010803" pitchFamily="18" charset="0"/>
+              </a:rPr>
+              <a:t>Plot Fixed Effects</a:t>
+            </a:r>
+          </a:p>
+          <a:p>
+            <a:r>
+              <a:rPr lang="en-US" sz="3000" i="1" dirty="0">
+                <a:solidFill>
+                  <a:srgbClr val="C00000"/>
+                </a:solidFill>
+                <a:latin typeface="Garamond" panose="02020404030301010803" pitchFamily="18" charset="0"/>
+              </a:rPr>
+              <a:t>and</a:t>
+            </a:r>
+            <a:r>
+              <a:rPr lang="en-US" sz="3000" dirty="0">
+                <a:solidFill>
+                  <a:srgbClr val="C00000"/>
+                </a:solidFill>
+                <a:latin typeface="Garamond" panose="02020404030301010803" pitchFamily="18" charset="0"/>
+              </a:rPr>
+              <a:t> site-by-year effects</a:t>
+            </a:r>
+          </a:p>
+        </p:txBody>
+      </p:sp>
+      <p:sp>
+        <p:nvSpPr>
+          <p:cNvPr id="7" name="TextBox 6">
+            <a:extLst>
+              <a:ext uri="{FF2B5EF4-FFF2-40B4-BE49-F238E27FC236}">
+                <a16:creationId xmlns:a16="http://schemas.microsoft.com/office/drawing/2014/main" id="{084A5B5A-54E9-2843-BDDC-57155832DA8E}"/>
+              </a:ext>
+            </a:extLst>
+          </p:cNvPr>
+          <p:cNvSpPr txBox="1"/>
+          <p:nvPr/>
+        </p:nvSpPr>
+        <p:spPr>
+          <a:xfrm>
+            <a:off x="8229839" y="1021656"/>
+            <a:ext cx="466794" cy="707886"/>
+          </a:xfrm>
+          <a:prstGeom prst="rect">
+            <a:avLst/>
+          </a:prstGeom>
+          <a:noFill/>
+        </p:spPr>
+        <p:txBody>
+          <a:bodyPr wrap="none" rtlCol="0">
+            <a:spAutoFit/>
+          </a:bodyPr>
+          <a:lstStyle/>
+          <a:p>
+            <a:r>
+              <a:rPr lang="en-US" sz="4000" b="1" dirty="0">
+                <a:solidFill>
+                  <a:srgbClr val="C00000"/>
+                </a:solidFill>
+              </a:rPr>
+              <a:t>X</a:t>
+            </a:r>
+          </a:p>
+        </p:txBody>
+      </p:sp>
+      <p:sp>
+        <p:nvSpPr>
+          <p:cNvPr id="8" name="TextBox 7">
+            <a:extLst>
+              <a:ext uri="{FF2B5EF4-FFF2-40B4-BE49-F238E27FC236}">
+                <a16:creationId xmlns:a16="http://schemas.microsoft.com/office/drawing/2014/main" id="{8942B7C1-821B-7F45-B763-4CC2430F9B4B}"/>
+              </a:ext>
+            </a:extLst>
+          </p:cNvPr>
+          <p:cNvSpPr txBox="1"/>
+          <p:nvPr/>
+        </p:nvSpPr>
+        <p:spPr>
+          <a:xfrm>
+            <a:off x="8229839" y="1449741"/>
+            <a:ext cx="466794" cy="707886"/>
+          </a:xfrm>
+          <a:prstGeom prst="rect">
+            <a:avLst/>
+          </a:prstGeom>
+          <a:noFill/>
+        </p:spPr>
+        <p:txBody>
+          <a:bodyPr wrap="none" rtlCol="0">
+            <a:spAutoFit/>
+          </a:bodyPr>
+          <a:lstStyle/>
+          <a:p>
+            <a:r>
+              <a:rPr lang="en-US" sz="4000" b="1" dirty="0">
+                <a:solidFill>
+                  <a:srgbClr val="C00000"/>
+                </a:solidFill>
+              </a:rPr>
+              <a:t>X</a:t>
+            </a:r>
+          </a:p>
+        </p:txBody>
+      </p:sp>
+    </p:spTree>
+    <p:extLst>
+      <p:ext uri="{BB962C8B-B14F-4D97-AF65-F5344CB8AC3E}">
+        <p14:creationId xmlns:p14="http://schemas.microsoft.com/office/powerpoint/2010/main" val="3386244325"/>
       </p:ext>
     </p:extLst>
   </p:cSld>
